--- a/Aktabarni Presentation/Aktabarni Presentation.pptx
+++ b/Aktabarni Presentation/Aktabarni Presentation.pptx
@@ -15,30 +15,31 @@
     <p:sldId id="263" r:id="rId9"/>
     <p:sldId id="264" r:id="rId10"/>
     <p:sldId id="265" r:id="rId11"/>
+    <p:sldId id="266" r:id="rId12"/>
   </p:sldIdLst>
   <p:sldSz cx="18288000" cy="10287000"/>
   <p:notesSz cx="6858000" cy="9144000"/>
   <p:embeddedFontLst>
     <p:embeddedFont>
       <p:font typeface="Calibri" panose="020F0502020204030204" pitchFamily="34" charset="0"/>
-      <p:regular r:id="rId12"/>
-      <p:bold r:id="rId13"/>
+      <p:regular r:id="rId13"/>
+      <p:bold r:id="rId14"/>
     </p:embeddedFont>
     <p:embeddedFont>
       <p:font typeface="Canva Sans Bold" panose="020B0604020202020204" charset="0"/>
-      <p:regular r:id="rId14"/>
+      <p:regular r:id="rId15"/>
     </p:embeddedFont>
     <p:embeddedFont>
       <p:font typeface="TT Fors" panose="020B0604020202020204" charset="0"/>
-      <p:regular r:id="rId15"/>
+      <p:regular r:id="rId16"/>
     </p:embeddedFont>
     <p:embeddedFont>
       <p:font typeface="TT Fors Bold" panose="020B0604020202020204" charset="0"/>
-      <p:regular r:id="rId16"/>
+      <p:regular r:id="rId17"/>
     </p:embeddedFont>
     <p:embeddedFont>
       <p:font typeface="TT Norms Bold" panose="020B0604020202020204" charset="0"/>
-      <p:regular r:id="rId17"/>
+      <p:regular r:id="rId18"/>
     </p:embeddedFont>
   </p:embeddedFontLst>
   <p:defaultTextStyle>
@@ -4139,6 +4140,342 @@
           <a:chExt cx="0" cy="0"/>
         </a:xfrm>
       </p:grpSpPr>
+      <p:sp>
+        <p:nvSpPr>
+          <p:cNvPr id="2" name="Freeform 2"/>
+          <p:cNvSpPr/>
+          <p:nvPr/>
+        </p:nvSpPr>
+        <p:spPr>
+          <a:xfrm>
+            <a:off x="6616871" y="4626975"/>
+            <a:ext cx="2626462" cy="2626462"/>
+          </a:xfrm>
+          <a:custGeom>
+            <a:avLst/>
+            <a:gdLst/>
+            <a:ahLst/>
+            <a:cxnLst/>
+            <a:rect l="l" t="t" r="r" b="b"/>
+            <a:pathLst>
+              <a:path w="2626462" h="2626462">
+                <a:moveTo>
+                  <a:pt x="0" y="0"/>
+                </a:moveTo>
+                <a:lnTo>
+                  <a:pt x="2626463" y="0"/>
+                </a:lnTo>
+                <a:lnTo>
+                  <a:pt x="2626463" y="2626462"/>
+                </a:lnTo>
+                <a:lnTo>
+                  <a:pt x="0" y="2626462"/>
+                </a:lnTo>
+                <a:lnTo>
+                  <a:pt x="0" y="0"/>
+                </a:lnTo>
+                <a:close/>
+              </a:path>
+            </a:pathLst>
+          </a:custGeom>
+          <a:blipFill>
+            <a:blip r:embed="rId2"/>
+            <a:stretch>
+              <a:fillRect/>
+            </a:stretch>
+          </a:blipFill>
+        </p:spPr>
+        <p:txBody>
+          <a:bodyPr/>
+          <a:lstStyle/>
+          <a:p>
+            <a:endParaRPr lang="ar-SA"/>
+          </a:p>
+        </p:txBody>
+      </p:sp>
+      <p:sp>
+        <p:nvSpPr>
+          <p:cNvPr id="3" name="Freeform 3"/>
+          <p:cNvSpPr/>
+          <p:nvPr/>
+        </p:nvSpPr>
+        <p:spPr>
+          <a:xfrm>
+            <a:off x="1028700" y="4720483"/>
+            <a:ext cx="1621677" cy="2439446"/>
+          </a:xfrm>
+          <a:custGeom>
+            <a:avLst/>
+            <a:gdLst/>
+            <a:ahLst/>
+            <a:cxnLst/>
+            <a:rect l="l" t="t" r="r" b="b"/>
+            <a:pathLst>
+              <a:path w="1621677" h="2439446">
+                <a:moveTo>
+                  <a:pt x="0" y="0"/>
+                </a:moveTo>
+                <a:lnTo>
+                  <a:pt x="1621677" y="0"/>
+                </a:lnTo>
+                <a:lnTo>
+                  <a:pt x="1621677" y="2439446"/>
+                </a:lnTo>
+                <a:lnTo>
+                  <a:pt x="0" y="2439446"/>
+                </a:lnTo>
+                <a:lnTo>
+                  <a:pt x="0" y="0"/>
+                </a:lnTo>
+                <a:close/>
+              </a:path>
+            </a:pathLst>
+          </a:custGeom>
+          <a:blipFill>
+            <a:blip r:embed="rId3"/>
+            <a:stretch>
+              <a:fillRect/>
+            </a:stretch>
+          </a:blipFill>
+        </p:spPr>
+        <p:txBody>
+          <a:bodyPr/>
+          <a:lstStyle/>
+          <a:p>
+            <a:endParaRPr lang="ar-SA"/>
+          </a:p>
+        </p:txBody>
+      </p:sp>
+      <p:sp>
+        <p:nvSpPr>
+          <p:cNvPr id="4" name="Freeform 4"/>
+          <p:cNvSpPr/>
+          <p:nvPr/>
+        </p:nvSpPr>
+        <p:spPr>
+          <a:xfrm>
+            <a:off x="15118256" y="4626975"/>
+            <a:ext cx="2404229" cy="2462163"/>
+          </a:xfrm>
+          <a:custGeom>
+            <a:avLst/>
+            <a:gdLst/>
+            <a:ahLst/>
+            <a:cxnLst/>
+            <a:rect l="l" t="t" r="r" b="b"/>
+            <a:pathLst>
+              <a:path w="2404229" h="2462163">
+                <a:moveTo>
+                  <a:pt x="0" y="0"/>
+                </a:moveTo>
+                <a:lnTo>
+                  <a:pt x="2404229" y="0"/>
+                </a:lnTo>
+                <a:lnTo>
+                  <a:pt x="2404229" y="2462162"/>
+                </a:lnTo>
+                <a:lnTo>
+                  <a:pt x="0" y="2462162"/>
+                </a:lnTo>
+                <a:lnTo>
+                  <a:pt x="0" y="0"/>
+                </a:lnTo>
+                <a:close/>
+              </a:path>
+            </a:pathLst>
+          </a:custGeom>
+          <a:blipFill>
+            <a:blip r:embed="rId4"/>
+            <a:stretch>
+              <a:fillRect/>
+            </a:stretch>
+          </a:blipFill>
+        </p:spPr>
+        <p:txBody>
+          <a:bodyPr/>
+          <a:lstStyle/>
+          <a:p>
+            <a:endParaRPr lang="ar-SA"/>
+          </a:p>
+        </p:txBody>
+      </p:sp>
+      <p:sp>
+        <p:nvSpPr>
+          <p:cNvPr id="5" name="Freeform 5"/>
+          <p:cNvSpPr/>
+          <p:nvPr/>
+        </p:nvSpPr>
+        <p:spPr>
+          <a:xfrm>
+            <a:off x="3143189" y="4532233"/>
+            <a:ext cx="2815947" cy="2815947"/>
+          </a:xfrm>
+          <a:custGeom>
+            <a:avLst/>
+            <a:gdLst/>
+            <a:ahLst/>
+            <a:cxnLst/>
+            <a:rect l="l" t="t" r="r" b="b"/>
+            <a:pathLst>
+              <a:path w="2815947" h="2815947">
+                <a:moveTo>
+                  <a:pt x="0" y="0"/>
+                </a:moveTo>
+                <a:lnTo>
+                  <a:pt x="2815946" y="0"/>
+                </a:lnTo>
+                <a:lnTo>
+                  <a:pt x="2815946" y="2815946"/>
+                </a:lnTo>
+                <a:lnTo>
+                  <a:pt x="0" y="2815946"/>
+                </a:lnTo>
+                <a:lnTo>
+                  <a:pt x="0" y="0"/>
+                </a:lnTo>
+                <a:close/>
+              </a:path>
+            </a:pathLst>
+          </a:custGeom>
+          <a:blipFill>
+            <a:blip r:embed="rId5"/>
+            <a:stretch>
+              <a:fillRect/>
+            </a:stretch>
+          </a:blipFill>
+        </p:spPr>
+        <p:txBody>
+          <a:bodyPr/>
+          <a:lstStyle/>
+          <a:p>
+            <a:endParaRPr lang="ar-SA"/>
+          </a:p>
+        </p:txBody>
+      </p:sp>
+      <p:sp>
+        <p:nvSpPr>
+          <p:cNvPr id="6" name="Freeform 6"/>
+          <p:cNvSpPr/>
+          <p:nvPr/>
+        </p:nvSpPr>
+        <p:spPr>
+          <a:xfrm>
+            <a:off x="8835664" y="4071851"/>
+            <a:ext cx="6573236" cy="3572411"/>
+          </a:xfrm>
+          <a:custGeom>
+            <a:avLst/>
+            <a:gdLst/>
+            <a:ahLst/>
+            <a:cxnLst/>
+            <a:rect l="l" t="t" r="r" b="b"/>
+            <a:pathLst>
+              <a:path w="6573236" h="3572411">
+                <a:moveTo>
+                  <a:pt x="0" y="0"/>
+                </a:moveTo>
+                <a:lnTo>
+                  <a:pt x="6573237" y="0"/>
+                </a:lnTo>
+                <a:lnTo>
+                  <a:pt x="6573237" y="3572410"/>
+                </a:lnTo>
+                <a:lnTo>
+                  <a:pt x="0" y="3572410"/>
+                </a:lnTo>
+                <a:lnTo>
+                  <a:pt x="0" y="0"/>
+                </a:lnTo>
+                <a:close/>
+              </a:path>
+            </a:pathLst>
+          </a:custGeom>
+          <a:blipFill>
+            <a:blip r:embed="rId6"/>
+            <a:stretch>
+              <a:fillRect/>
+            </a:stretch>
+          </a:blipFill>
+        </p:spPr>
+        <p:txBody>
+          <a:bodyPr/>
+          <a:lstStyle/>
+          <a:p>
+            <a:endParaRPr lang="ar-SA"/>
+          </a:p>
+        </p:txBody>
+      </p:sp>
+      <p:sp>
+        <p:nvSpPr>
+          <p:cNvPr id="7" name="TextBox 7"/>
+          <p:cNvSpPr txBox="1"/>
+          <p:nvPr/>
+        </p:nvSpPr>
+        <p:spPr>
+          <a:xfrm>
+            <a:off x="1028700" y="1690081"/>
+            <a:ext cx="8115300" cy="1024261"/>
+          </a:xfrm>
+          <a:prstGeom prst="rect">
+            <a:avLst/>
+          </a:prstGeom>
+        </p:spPr>
+        <p:txBody>
+          <a:bodyPr lIns="0" tIns="0" rIns="0" bIns="0" rtlCol="0" anchor="t">
+            <a:spAutoFit/>
+          </a:bodyPr>
+          <a:lstStyle/>
+          <a:p>
+            <a:pPr>
+              <a:lnSpc>
+                <a:spcPts val="7700"/>
+              </a:lnSpc>
+            </a:pPr>
+            <a:r>
+              <a:rPr lang="en-US" sz="7700" spc="-385">
+                <a:solidFill>
+                  <a:srgbClr val="2A3D6D"/>
+                </a:solidFill>
+                <a:latin typeface="TT Norms Bold"/>
+              </a:rPr>
+              <a:t>SOFTWARE</a:t>
+            </a:r>
+          </a:p>
+        </p:txBody>
+      </p:sp>
+    </p:spTree>
+  </p:cSld>
+  <p:clrMapOvr>
+    <a:masterClrMapping/>
+  </p:clrMapOvr>
+</p:sld>
+</file>
+
+<file path=ppt/slides/slide11.xml><?xml version="1.0" encoding="utf-8"?>
+<p:sld xmlns:a="http://schemas.openxmlformats.org/drawingml/2006/main" xmlns:r="http://schemas.openxmlformats.org/officeDocument/2006/relationships" xmlns:p="http://schemas.openxmlformats.org/presentationml/2006/main">
+  <p:cSld>
+    <p:bg>
+      <p:bgPr>
+        <a:solidFill>
+          <a:srgbClr val="D0D9EA"/>
+        </a:solidFill>
+        <a:effectLst/>
+      </p:bgPr>
+    </p:bg>
+    <p:spTree>
+      <p:nvGrpSpPr>
+        <p:cNvPr id="1" name=""/>
+        <p:cNvGrpSpPr/>
+        <p:nvPr/>
+      </p:nvGrpSpPr>
+      <p:grpSpPr>
+        <a:xfrm>
+          <a:off x="0" y="0"/>
+          <a:ext cx="0" cy="0"/>
+          <a:chOff x="0" y="0"/>
+          <a:chExt cx="0" cy="0"/>
+        </a:xfrm>
+      </p:grpSpPr>
       <p:grpSp>
         <p:nvGrpSpPr>
           <p:cNvPr id="2" name="Group 2"/>
@@ -5019,8 +5356,8 @@
         </p:nvSpPr>
         <p:spPr>
           <a:xfrm>
-            <a:off x="5132121" y="1333500"/>
-            <a:ext cx="8023758" cy="7326816"/>
+            <a:off x="4320641" y="712284"/>
+            <a:ext cx="9646717" cy="8862431"/>
           </a:xfrm>
           <a:custGeom>
             <a:avLst/>
@@ -5502,7 +5839,11 @@
               </a:srgbClr>
             </a:solidFill>
             <a:ln w="38100" cap="rnd">
-              <a:noFill/>
+              <a:solidFill>
+                <a:srgbClr val="000000">
+                  <a:alpha val="67843"/>
+                </a:srgbClr>
+              </a:solidFill>
               <a:round/>
             </a:ln>
           </p:spPr>
@@ -5510,7 +5851,7 @@
             <a:bodyPr/>
             <a:lstStyle/>
             <a:p>
-              <a:endParaRPr lang="ar-SA" dirty="0"/>
+              <a:endParaRPr lang="ar-SA"/>
             </a:p>
           </p:txBody>
         </p:sp>
@@ -7993,42 +8334,113 @@
       </p:grpSpPr>
       <p:sp>
         <p:nvSpPr>
-          <p:cNvPr id="2" name="TextBox 2"/>
-          <p:cNvSpPr txBox="1"/>
+          <p:cNvPr id="2" name="Freeform 2"/>
+          <p:cNvSpPr/>
           <p:nvPr/>
         </p:nvSpPr>
         <p:spPr>
           <a:xfrm>
-            <a:off x="6976401" y="4372480"/>
-            <a:ext cx="4335198" cy="1542040"/>
+            <a:off x="2082275" y="237241"/>
+            <a:ext cx="13597779" cy="9722412"/>
           </a:xfrm>
-          <a:prstGeom prst="rect">
+          <a:custGeom>
             <a:avLst/>
-          </a:prstGeom>
+            <a:gdLst/>
+            <a:ahLst/>
+            <a:cxnLst/>
+            <a:rect l="l" t="t" r="r" b="b"/>
+            <a:pathLst>
+              <a:path w="13597779" h="9722412">
+                <a:moveTo>
+                  <a:pt x="0" y="0"/>
+                </a:moveTo>
+                <a:lnTo>
+                  <a:pt x="13597778" y="0"/>
+                </a:lnTo>
+                <a:lnTo>
+                  <a:pt x="13597778" y="9722412"/>
+                </a:lnTo>
+                <a:lnTo>
+                  <a:pt x="0" y="9722412"/>
+                </a:lnTo>
+                <a:lnTo>
+                  <a:pt x="0" y="0"/>
+                </a:lnTo>
+                <a:close/>
+              </a:path>
+            </a:pathLst>
+          </a:custGeom>
+          <a:blipFill>
+            <a:blip r:embed="rId2">
+              <a:extLst>
+                <a:ext uri="{96DAC541-7B7A-43D3-8B79-37D633B846F1}">
+                  <asvg:svgBlip xmlns:asvg="http://schemas.microsoft.com/office/drawing/2016/SVG/main" r:embed="rId3"/>
+                </a:ext>
+              </a:extLst>
+            </a:blip>
+            <a:stretch>
+              <a:fillRect/>
+            </a:stretch>
+          </a:blipFill>
         </p:spPr>
         <p:txBody>
-          <a:bodyPr wrap="square" lIns="0" tIns="0" rIns="0" bIns="0" rtlCol="0" anchor="t">
-            <a:spAutoFit/>
-          </a:bodyPr>
+          <a:bodyPr/>
           <a:lstStyle/>
           <a:p>
-            <a:pPr algn="ctr">
-              <a:lnSpc>
-                <a:spcPts val="12655"/>
-              </a:lnSpc>
-              <a:spcBef>
-                <a:spcPct val="0"/>
-              </a:spcBef>
-            </a:pPr>
-            <a:r>
-              <a:rPr lang="en-US" sz="9039" dirty="0">
-                <a:solidFill>
-                  <a:srgbClr val="2A3D6D"/>
-                </a:solidFill>
-                <a:latin typeface="Canva Sans Bold"/>
-              </a:rPr>
-              <a:t>Demo</a:t>
-            </a:r>
+            <a:endParaRPr lang="ar-SA"/>
+          </a:p>
+        </p:txBody>
+      </p:sp>
+      <p:sp>
+        <p:nvSpPr>
+          <p:cNvPr id="3" name="Freeform 3"/>
+          <p:cNvSpPr/>
+          <p:nvPr/>
+        </p:nvSpPr>
+        <p:spPr>
+          <a:xfrm>
+            <a:off x="2339049" y="1222817"/>
+            <a:ext cx="13084230" cy="8335117"/>
+          </a:xfrm>
+          <a:custGeom>
+            <a:avLst/>
+            <a:gdLst/>
+            <a:ahLst/>
+            <a:cxnLst/>
+            <a:rect l="l" t="t" r="r" b="b"/>
+            <a:pathLst>
+              <a:path w="13084230" h="8335117">
+                <a:moveTo>
+                  <a:pt x="0" y="0"/>
+                </a:moveTo>
+                <a:lnTo>
+                  <a:pt x="13084230" y="0"/>
+                </a:lnTo>
+                <a:lnTo>
+                  <a:pt x="13084230" y="8335117"/>
+                </a:lnTo>
+                <a:lnTo>
+                  <a:pt x="0" y="8335117"/>
+                </a:lnTo>
+                <a:lnTo>
+                  <a:pt x="0" y="0"/>
+                </a:lnTo>
+                <a:close/>
+              </a:path>
+            </a:pathLst>
+          </a:custGeom>
+          <a:blipFill>
+            <a:blip r:embed="rId4"/>
+            <a:stretch>
+              <a:fillRect l="-3032" r="-12007"/>
+            </a:stretch>
+          </a:blipFill>
+        </p:spPr>
+        <p:txBody>
+          <a:bodyPr/>
+          <a:lstStyle/>
+          <a:p>
+            <a:endParaRPr lang="ar-SA"/>
           </a:p>
         </p:txBody>
       </p:sp>
@@ -8067,303 +8479,41 @@
       </p:grpSpPr>
       <p:sp>
         <p:nvSpPr>
-          <p:cNvPr id="2" name="Freeform 2"/>
-          <p:cNvSpPr/>
+          <p:cNvPr id="2" name="TextBox 2"/>
+          <p:cNvSpPr txBox="1"/>
           <p:nvPr/>
         </p:nvSpPr>
         <p:spPr>
           <a:xfrm>
-            <a:off x="6616871" y="4626975"/>
-            <a:ext cx="2626462" cy="2626462"/>
-          </a:xfrm>
-          <a:custGeom>
-            <a:avLst/>
-            <a:gdLst/>
-            <a:ahLst/>
-            <a:cxnLst/>
-            <a:rect l="l" t="t" r="r" b="b"/>
-            <a:pathLst>
-              <a:path w="2626462" h="2626462">
-                <a:moveTo>
-                  <a:pt x="0" y="0"/>
-                </a:moveTo>
-                <a:lnTo>
-                  <a:pt x="2626463" y="0"/>
-                </a:lnTo>
-                <a:lnTo>
-                  <a:pt x="2626463" y="2626462"/>
-                </a:lnTo>
-                <a:lnTo>
-                  <a:pt x="0" y="2626462"/>
-                </a:lnTo>
-                <a:lnTo>
-                  <a:pt x="0" y="0"/>
-                </a:lnTo>
-                <a:close/>
-              </a:path>
-            </a:pathLst>
-          </a:custGeom>
-          <a:blipFill>
-            <a:blip r:embed="rId2"/>
-            <a:stretch>
-              <a:fillRect/>
-            </a:stretch>
-          </a:blipFill>
-        </p:spPr>
-        <p:txBody>
-          <a:bodyPr/>
-          <a:lstStyle/>
-          <a:p>
-            <a:endParaRPr lang="ar-SA"/>
-          </a:p>
-        </p:txBody>
-      </p:sp>
-      <p:sp>
-        <p:nvSpPr>
-          <p:cNvPr id="3" name="Freeform 3"/>
-          <p:cNvSpPr/>
-          <p:nvPr/>
-        </p:nvSpPr>
-        <p:spPr>
-          <a:xfrm>
-            <a:off x="1028700" y="4720483"/>
-            <a:ext cx="1621677" cy="2439446"/>
-          </a:xfrm>
-          <a:custGeom>
-            <a:avLst/>
-            <a:gdLst/>
-            <a:ahLst/>
-            <a:cxnLst/>
-            <a:rect l="l" t="t" r="r" b="b"/>
-            <a:pathLst>
-              <a:path w="1621677" h="2439446">
-                <a:moveTo>
-                  <a:pt x="0" y="0"/>
-                </a:moveTo>
-                <a:lnTo>
-                  <a:pt x="1621677" y="0"/>
-                </a:lnTo>
-                <a:lnTo>
-                  <a:pt x="1621677" y="2439446"/>
-                </a:lnTo>
-                <a:lnTo>
-                  <a:pt x="0" y="2439446"/>
-                </a:lnTo>
-                <a:lnTo>
-                  <a:pt x="0" y="0"/>
-                </a:lnTo>
-                <a:close/>
-              </a:path>
-            </a:pathLst>
-          </a:custGeom>
-          <a:blipFill>
-            <a:blip r:embed="rId3"/>
-            <a:stretch>
-              <a:fillRect/>
-            </a:stretch>
-          </a:blipFill>
-        </p:spPr>
-        <p:txBody>
-          <a:bodyPr/>
-          <a:lstStyle/>
-          <a:p>
-            <a:endParaRPr lang="ar-SA"/>
-          </a:p>
-        </p:txBody>
-      </p:sp>
-      <p:sp>
-        <p:nvSpPr>
-          <p:cNvPr id="4" name="Freeform 4"/>
-          <p:cNvSpPr/>
-          <p:nvPr/>
-        </p:nvSpPr>
-        <p:spPr>
-          <a:xfrm>
-            <a:off x="15118256" y="4626975"/>
-            <a:ext cx="2404229" cy="2462163"/>
-          </a:xfrm>
-          <a:custGeom>
-            <a:avLst/>
-            <a:gdLst/>
-            <a:ahLst/>
-            <a:cxnLst/>
-            <a:rect l="l" t="t" r="r" b="b"/>
-            <a:pathLst>
-              <a:path w="2404229" h="2462163">
-                <a:moveTo>
-                  <a:pt x="0" y="0"/>
-                </a:moveTo>
-                <a:lnTo>
-                  <a:pt x="2404229" y="0"/>
-                </a:lnTo>
-                <a:lnTo>
-                  <a:pt x="2404229" y="2462162"/>
-                </a:lnTo>
-                <a:lnTo>
-                  <a:pt x="0" y="2462162"/>
-                </a:lnTo>
-                <a:lnTo>
-                  <a:pt x="0" y="0"/>
-                </a:lnTo>
-                <a:close/>
-              </a:path>
-            </a:pathLst>
-          </a:custGeom>
-          <a:blipFill>
-            <a:blip r:embed="rId4"/>
-            <a:stretch>
-              <a:fillRect/>
-            </a:stretch>
-          </a:blipFill>
-        </p:spPr>
-        <p:txBody>
-          <a:bodyPr/>
-          <a:lstStyle/>
-          <a:p>
-            <a:endParaRPr lang="ar-SA"/>
-          </a:p>
-        </p:txBody>
-      </p:sp>
-      <p:sp>
-        <p:nvSpPr>
-          <p:cNvPr id="5" name="Freeform 5"/>
-          <p:cNvSpPr/>
-          <p:nvPr/>
-        </p:nvSpPr>
-        <p:spPr>
-          <a:xfrm>
-            <a:off x="3143189" y="4532233"/>
-            <a:ext cx="2815947" cy="2815947"/>
-          </a:xfrm>
-          <a:custGeom>
-            <a:avLst/>
-            <a:gdLst/>
-            <a:ahLst/>
-            <a:cxnLst/>
-            <a:rect l="l" t="t" r="r" b="b"/>
-            <a:pathLst>
-              <a:path w="2815947" h="2815947">
-                <a:moveTo>
-                  <a:pt x="0" y="0"/>
-                </a:moveTo>
-                <a:lnTo>
-                  <a:pt x="2815946" y="0"/>
-                </a:lnTo>
-                <a:lnTo>
-                  <a:pt x="2815946" y="2815946"/>
-                </a:lnTo>
-                <a:lnTo>
-                  <a:pt x="0" y="2815946"/>
-                </a:lnTo>
-                <a:lnTo>
-                  <a:pt x="0" y="0"/>
-                </a:lnTo>
-                <a:close/>
-              </a:path>
-            </a:pathLst>
-          </a:custGeom>
-          <a:blipFill>
-            <a:blip r:embed="rId5"/>
-            <a:stretch>
-              <a:fillRect/>
-            </a:stretch>
-          </a:blipFill>
-        </p:spPr>
-        <p:txBody>
-          <a:bodyPr/>
-          <a:lstStyle/>
-          <a:p>
-            <a:endParaRPr lang="ar-SA"/>
-          </a:p>
-        </p:txBody>
-      </p:sp>
-      <p:sp>
-        <p:nvSpPr>
-          <p:cNvPr id="6" name="Freeform 6"/>
-          <p:cNvSpPr/>
-          <p:nvPr/>
-        </p:nvSpPr>
-        <p:spPr>
-          <a:xfrm>
-            <a:off x="8835664" y="4071851"/>
-            <a:ext cx="6573236" cy="3572411"/>
-          </a:xfrm>
-          <a:custGeom>
-            <a:avLst/>
-            <a:gdLst/>
-            <a:ahLst/>
-            <a:cxnLst/>
-            <a:rect l="l" t="t" r="r" b="b"/>
-            <a:pathLst>
-              <a:path w="6573236" h="3572411">
-                <a:moveTo>
-                  <a:pt x="0" y="0"/>
-                </a:moveTo>
-                <a:lnTo>
-                  <a:pt x="6573237" y="0"/>
-                </a:lnTo>
-                <a:lnTo>
-                  <a:pt x="6573237" y="3572410"/>
-                </a:lnTo>
-                <a:lnTo>
-                  <a:pt x="0" y="3572410"/>
-                </a:lnTo>
-                <a:lnTo>
-                  <a:pt x="0" y="0"/>
-                </a:lnTo>
-                <a:close/>
-              </a:path>
-            </a:pathLst>
-          </a:custGeom>
-          <a:blipFill>
-            <a:blip r:embed="rId6"/>
-            <a:stretch>
-              <a:fillRect/>
-            </a:stretch>
-          </a:blipFill>
-        </p:spPr>
-        <p:txBody>
-          <a:bodyPr/>
-          <a:lstStyle/>
-          <a:p>
-            <a:endParaRPr lang="ar-SA"/>
-          </a:p>
-        </p:txBody>
-      </p:sp>
-      <p:sp>
-        <p:nvSpPr>
-          <p:cNvPr id="7" name="TextBox 7"/>
-          <p:cNvSpPr txBox="1"/>
-          <p:nvPr/>
-        </p:nvSpPr>
-        <p:spPr>
-          <a:xfrm>
-            <a:off x="1028700" y="1690081"/>
-            <a:ext cx="8115300" cy="1024261"/>
+            <a:off x="6519201" y="4372480"/>
+            <a:ext cx="5249598" cy="1542040"/>
           </a:xfrm>
           <a:prstGeom prst="rect">
             <a:avLst/>
           </a:prstGeom>
         </p:spPr>
         <p:txBody>
-          <a:bodyPr lIns="0" tIns="0" rIns="0" bIns="0" rtlCol="0" anchor="t">
+          <a:bodyPr wrap="square" lIns="0" tIns="0" rIns="0" bIns="0" rtlCol="0" anchor="t">
             <a:spAutoFit/>
           </a:bodyPr>
           <a:lstStyle/>
           <a:p>
-            <a:pPr>
+            <a:pPr algn="ctr">
               <a:lnSpc>
-                <a:spcPts val="7700"/>
+                <a:spcPts val="12655"/>
               </a:lnSpc>
+              <a:spcBef>
+                <a:spcPct val="0"/>
+              </a:spcBef>
             </a:pPr>
             <a:r>
-              <a:rPr lang="en-US" sz="7700" spc="-385">
+              <a:rPr lang="en-US" sz="9039" dirty="0">
                 <a:solidFill>
                   <a:srgbClr val="2A3D6D"/>
                 </a:solidFill>
-                <a:latin typeface="TT Norms Bold"/>
+                <a:latin typeface="Canva Sans Bold"/>
               </a:rPr>
-              <a:t>SOFTWARE</a:t>
+              <a:t>Demo</a:t>
             </a:r>
           </a:p>
         </p:txBody>

--- a/Aktabarni Presentation/Aktabarni Presentation.pptx
+++ b/Aktabarni Presentation/Aktabarni Presentation.pptx
@@ -10,9 +10,9 @@
     <p:sldId id="258" r:id="rId4"/>
     <p:sldId id="259" r:id="rId5"/>
     <p:sldId id="260" r:id="rId6"/>
-    <p:sldId id="261" r:id="rId7"/>
-    <p:sldId id="262" r:id="rId8"/>
-    <p:sldId id="263" r:id="rId9"/>
+    <p:sldId id="263" r:id="rId7"/>
+    <p:sldId id="261" r:id="rId8"/>
+    <p:sldId id="262" r:id="rId9"/>
     <p:sldId id="264" r:id="rId10"/>
     <p:sldId id="265" r:id="rId11"/>
     <p:sldId id="266" r:id="rId12"/>
@@ -5696,6 +5696,151 @@
         </p:nvSpPr>
         <p:spPr>
           <a:xfrm>
+            <a:off x="2082275" y="237241"/>
+            <a:ext cx="13597779" cy="9722412"/>
+          </a:xfrm>
+          <a:custGeom>
+            <a:avLst/>
+            <a:gdLst/>
+            <a:ahLst/>
+            <a:cxnLst/>
+            <a:rect l="l" t="t" r="r" b="b"/>
+            <a:pathLst>
+              <a:path w="13597779" h="9722412">
+                <a:moveTo>
+                  <a:pt x="0" y="0"/>
+                </a:moveTo>
+                <a:lnTo>
+                  <a:pt x="13597778" y="0"/>
+                </a:lnTo>
+                <a:lnTo>
+                  <a:pt x="13597778" y="9722412"/>
+                </a:lnTo>
+                <a:lnTo>
+                  <a:pt x="0" y="9722412"/>
+                </a:lnTo>
+                <a:lnTo>
+                  <a:pt x="0" y="0"/>
+                </a:lnTo>
+                <a:close/>
+              </a:path>
+            </a:pathLst>
+          </a:custGeom>
+          <a:blipFill>
+            <a:blip r:embed="rId2">
+              <a:extLst>
+                <a:ext uri="{96DAC541-7B7A-43D3-8B79-37D633B846F1}">
+                  <asvg:svgBlip xmlns:asvg="http://schemas.microsoft.com/office/drawing/2016/SVG/main" r:embed="rId3"/>
+                </a:ext>
+              </a:extLst>
+            </a:blip>
+            <a:stretch>
+              <a:fillRect/>
+            </a:stretch>
+          </a:blipFill>
+        </p:spPr>
+        <p:txBody>
+          <a:bodyPr/>
+          <a:lstStyle/>
+          <a:p>
+            <a:endParaRPr lang="ar-SA"/>
+          </a:p>
+        </p:txBody>
+      </p:sp>
+      <p:sp>
+        <p:nvSpPr>
+          <p:cNvPr id="3" name="Freeform 3"/>
+          <p:cNvSpPr/>
+          <p:nvPr/>
+        </p:nvSpPr>
+        <p:spPr>
+          <a:xfrm>
+            <a:off x="2339049" y="1222817"/>
+            <a:ext cx="13084230" cy="8416483"/>
+          </a:xfrm>
+          <a:custGeom>
+            <a:avLst/>
+            <a:gdLst/>
+            <a:ahLst/>
+            <a:cxnLst/>
+            <a:rect l="l" t="t" r="r" b="b"/>
+            <a:pathLst>
+              <a:path w="13084230" h="8335117">
+                <a:moveTo>
+                  <a:pt x="0" y="0"/>
+                </a:moveTo>
+                <a:lnTo>
+                  <a:pt x="13084230" y="0"/>
+                </a:lnTo>
+                <a:lnTo>
+                  <a:pt x="13084230" y="8335117"/>
+                </a:lnTo>
+                <a:lnTo>
+                  <a:pt x="0" y="8335117"/>
+                </a:lnTo>
+                <a:lnTo>
+                  <a:pt x="0" y="0"/>
+                </a:lnTo>
+                <a:close/>
+              </a:path>
+            </a:pathLst>
+          </a:custGeom>
+          <a:blipFill>
+            <a:blip r:embed="rId4"/>
+            <a:stretch>
+              <a:fillRect l="-3032" r="-12007"/>
+            </a:stretch>
+          </a:blipFill>
+        </p:spPr>
+        <p:txBody>
+          <a:bodyPr/>
+          <a:lstStyle/>
+          <a:p>
+            <a:endParaRPr lang="ar-SA"/>
+          </a:p>
+        </p:txBody>
+      </p:sp>
+    </p:spTree>
+  </p:cSld>
+  <p:clrMapOvr>
+    <a:masterClrMapping/>
+  </p:clrMapOvr>
+</p:sld>
+</file>
+
+<file path=ppt/slides/slide7.xml><?xml version="1.0" encoding="utf-8"?>
+<p:sld xmlns:a="http://schemas.openxmlformats.org/drawingml/2006/main" xmlns:r="http://schemas.openxmlformats.org/officeDocument/2006/relationships" xmlns:p="http://schemas.openxmlformats.org/presentationml/2006/main">
+  <p:cSld>
+    <p:bg>
+      <p:bgPr>
+        <a:solidFill>
+          <a:srgbClr val="D0D9EA"/>
+        </a:solidFill>
+        <a:effectLst/>
+      </p:bgPr>
+    </p:bg>
+    <p:spTree>
+      <p:nvGrpSpPr>
+        <p:cNvPr id="1" name=""/>
+        <p:cNvGrpSpPr/>
+        <p:nvPr/>
+      </p:nvGrpSpPr>
+      <p:grpSpPr>
+        <a:xfrm>
+          <a:off x="0" y="0"/>
+          <a:ext cx="0" cy="0"/>
+          <a:chOff x="0" y="0"/>
+          <a:chExt cx="0" cy="0"/>
+        </a:xfrm>
+      </p:grpSpPr>
+      <p:sp>
+        <p:nvSpPr>
+          <p:cNvPr id="2" name="Freeform 2"/>
+          <p:cNvSpPr/>
+          <p:nvPr/>
+        </p:nvSpPr>
+        <p:spPr>
+          <a:xfrm>
             <a:off x="2489359" y="1262748"/>
             <a:ext cx="3841944" cy="7761504"/>
           </a:xfrm>
@@ -6661,7 +6806,7 @@
 </p:sld>
 </file>
 
-<file path=ppt/slides/slide7.xml><?xml version="1.0" encoding="utf-8"?>
+<file path=ppt/slides/slide8.xml><?xml version="1.0" encoding="utf-8"?>
 <p:sld xmlns:a="http://schemas.openxmlformats.org/drawingml/2006/main" xmlns:r="http://schemas.openxmlformats.org/officeDocument/2006/relationships" xmlns:p="http://schemas.openxmlformats.org/presentationml/2006/main">
   <p:cSld>
     <p:bg>
@@ -8296,151 +8441,6 @@
               </a:solidFill>
               <a:latin typeface="Canva Sans Bold"/>
             </a:endParaRPr>
-          </a:p>
-        </p:txBody>
-      </p:sp>
-    </p:spTree>
-  </p:cSld>
-  <p:clrMapOvr>
-    <a:masterClrMapping/>
-  </p:clrMapOvr>
-</p:sld>
-</file>
-
-<file path=ppt/slides/slide8.xml><?xml version="1.0" encoding="utf-8"?>
-<p:sld xmlns:a="http://schemas.openxmlformats.org/drawingml/2006/main" xmlns:r="http://schemas.openxmlformats.org/officeDocument/2006/relationships" xmlns:p="http://schemas.openxmlformats.org/presentationml/2006/main">
-  <p:cSld>
-    <p:bg>
-      <p:bgPr>
-        <a:solidFill>
-          <a:srgbClr val="D0D9EA"/>
-        </a:solidFill>
-        <a:effectLst/>
-      </p:bgPr>
-    </p:bg>
-    <p:spTree>
-      <p:nvGrpSpPr>
-        <p:cNvPr id="1" name=""/>
-        <p:cNvGrpSpPr/>
-        <p:nvPr/>
-      </p:nvGrpSpPr>
-      <p:grpSpPr>
-        <a:xfrm>
-          <a:off x="0" y="0"/>
-          <a:ext cx="0" cy="0"/>
-          <a:chOff x="0" y="0"/>
-          <a:chExt cx="0" cy="0"/>
-        </a:xfrm>
-      </p:grpSpPr>
-      <p:sp>
-        <p:nvSpPr>
-          <p:cNvPr id="2" name="Freeform 2"/>
-          <p:cNvSpPr/>
-          <p:nvPr/>
-        </p:nvSpPr>
-        <p:spPr>
-          <a:xfrm>
-            <a:off x="2082275" y="237241"/>
-            <a:ext cx="13597779" cy="9722412"/>
-          </a:xfrm>
-          <a:custGeom>
-            <a:avLst/>
-            <a:gdLst/>
-            <a:ahLst/>
-            <a:cxnLst/>
-            <a:rect l="l" t="t" r="r" b="b"/>
-            <a:pathLst>
-              <a:path w="13597779" h="9722412">
-                <a:moveTo>
-                  <a:pt x="0" y="0"/>
-                </a:moveTo>
-                <a:lnTo>
-                  <a:pt x="13597778" y="0"/>
-                </a:lnTo>
-                <a:lnTo>
-                  <a:pt x="13597778" y="9722412"/>
-                </a:lnTo>
-                <a:lnTo>
-                  <a:pt x="0" y="9722412"/>
-                </a:lnTo>
-                <a:lnTo>
-                  <a:pt x="0" y="0"/>
-                </a:lnTo>
-                <a:close/>
-              </a:path>
-            </a:pathLst>
-          </a:custGeom>
-          <a:blipFill>
-            <a:blip r:embed="rId2">
-              <a:extLst>
-                <a:ext uri="{96DAC541-7B7A-43D3-8B79-37D633B846F1}">
-                  <asvg:svgBlip xmlns:asvg="http://schemas.microsoft.com/office/drawing/2016/SVG/main" r:embed="rId3"/>
-                </a:ext>
-              </a:extLst>
-            </a:blip>
-            <a:stretch>
-              <a:fillRect/>
-            </a:stretch>
-          </a:blipFill>
-        </p:spPr>
-        <p:txBody>
-          <a:bodyPr/>
-          <a:lstStyle/>
-          <a:p>
-            <a:endParaRPr lang="ar-SA"/>
-          </a:p>
-        </p:txBody>
-      </p:sp>
-      <p:sp>
-        <p:nvSpPr>
-          <p:cNvPr id="3" name="Freeform 3"/>
-          <p:cNvSpPr/>
-          <p:nvPr/>
-        </p:nvSpPr>
-        <p:spPr>
-          <a:xfrm>
-            <a:off x="2339049" y="1222817"/>
-            <a:ext cx="13084230" cy="8335117"/>
-          </a:xfrm>
-          <a:custGeom>
-            <a:avLst/>
-            <a:gdLst/>
-            <a:ahLst/>
-            <a:cxnLst/>
-            <a:rect l="l" t="t" r="r" b="b"/>
-            <a:pathLst>
-              <a:path w="13084230" h="8335117">
-                <a:moveTo>
-                  <a:pt x="0" y="0"/>
-                </a:moveTo>
-                <a:lnTo>
-                  <a:pt x="13084230" y="0"/>
-                </a:lnTo>
-                <a:lnTo>
-                  <a:pt x="13084230" y="8335117"/>
-                </a:lnTo>
-                <a:lnTo>
-                  <a:pt x="0" y="8335117"/>
-                </a:lnTo>
-                <a:lnTo>
-                  <a:pt x="0" y="0"/>
-                </a:lnTo>
-                <a:close/>
-              </a:path>
-            </a:pathLst>
-          </a:custGeom>
-          <a:blipFill>
-            <a:blip r:embed="rId4"/>
-            <a:stretch>
-              <a:fillRect l="-3032" r="-12007"/>
-            </a:stretch>
-          </a:blipFill>
-        </p:spPr>
-        <p:txBody>
-          <a:bodyPr/>
-          <a:lstStyle/>
-          <a:p>
-            <a:endParaRPr lang="ar-SA"/>
           </a:p>
         </p:txBody>
       </p:sp>

--- a/Aktabarni Presentation/Aktabarni Presentation.pptx
+++ b/Aktabarni Presentation/Aktabarni Presentation.pptx
@@ -5747,59 +5747,41 @@
           </a:p>
         </p:txBody>
       </p:sp>
-      <p:sp>
-        <p:nvSpPr>
-          <p:cNvPr id="3" name="Freeform 3"/>
-          <p:cNvSpPr/>
+      <p:pic>
+        <p:nvPicPr>
+          <p:cNvPr id="5" name="صورة 4">
+            <a:extLst>
+              <a:ext uri="{FF2B5EF4-FFF2-40B4-BE49-F238E27FC236}">
+                <a16:creationId xmlns:a16="http://schemas.microsoft.com/office/drawing/2014/main" id="{CABDE08C-96C7-86A2-62F4-18AAE3CA31FC}"/>
+              </a:ext>
+            </a:extLst>
+          </p:cNvPr>
+          <p:cNvPicPr>
+            <a:picLocks noChangeAspect="1"/>
+          </p:cNvPicPr>
           <p:nvPr/>
-        </p:nvSpPr>
+        </p:nvPicPr>
+        <p:blipFill rotWithShape="1">
+          <a:blip r:embed="rId4">
+            <a:extLst>
+              <a:ext uri="{28A0092B-C50C-407E-A947-70E740481C1C}">
+                <a14:useLocalDpi xmlns:a14="http://schemas.microsoft.com/office/drawing/2010/main" val="0"/>
+              </a:ext>
+            </a:extLst>
+          </a:blip>
+          <a:srcRect r="16000"/>
+          <a:stretch/>
+        </p:blipFill>
         <p:spPr>
           <a:xfrm>
-            <a:off x="2339049" y="1222817"/>
-            <a:ext cx="13084230" cy="8416483"/>
+            <a:off x="2438400" y="1181100"/>
+            <a:ext cx="12954000" cy="8382000"/>
           </a:xfrm>
-          <a:custGeom>
+          <a:prstGeom prst="rect">
             <a:avLst/>
-            <a:gdLst/>
-            <a:ahLst/>
-            <a:cxnLst/>
-            <a:rect l="l" t="t" r="r" b="b"/>
-            <a:pathLst>
-              <a:path w="13084230" h="8335117">
-                <a:moveTo>
-                  <a:pt x="0" y="0"/>
-                </a:moveTo>
-                <a:lnTo>
-                  <a:pt x="13084230" y="0"/>
-                </a:lnTo>
-                <a:lnTo>
-                  <a:pt x="13084230" y="8335117"/>
-                </a:lnTo>
-                <a:lnTo>
-                  <a:pt x="0" y="8335117"/>
-                </a:lnTo>
-                <a:lnTo>
-                  <a:pt x="0" y="0"/>
-                </a:lnTo>
-                <a:close/>
-              </a:path>
-            </a:pathLst>
-          </a:custGeom>
-          <a:blipFill>
-            <a:blip r:embed="rId4"/>
-            <a:stretch>
-              <a:fillRect l="-3032" r="-12007"/>
-            </a:stretch>
-          </a:blipFill>
+          </a:prstGeom>
         </p:spPr>
-        <p:txBody>
-          <a:bodyPr/>
-          <a:lstStyle/>
-          <a:p>
-            <a:endParaRPr lang="ar-SA"/>
-          </a:p>
-        </p:txBody>
-      </p:sp>
+      </p:pic>
     </p:spTree>
   </p:cSld>
   <p:clrMapOvr>
